--- a/Theorie.pptx
+++ b/Theorie.pptx
@@ -5,7 +5,7 @@
     <p:sldMasterId id="2147483648" r:id="rId1"/>
   </p:sldMasterIdLst>
   <p:notesMasterIdLst>
-    <p:notesMasterId r:id="rId11"/>
+    <p:notesMasterId r:id="rId10"/>
   </p:notesMasterIdLst>
   <p:sldIdLst>
     <p:sldId id="256" r:id="rId2"/>
@@ -16,7 +16,6 @@
     <p:sldId id="263" r:id="rId7"/>
     <p:sldId id="265" r:id="rId8"/>
     <p:sldId id="267" r:id="rId9"/>
-    <p:sldId id="268" r:id="rId10"/>
   </p:sldIdLst>
   <p:sldSz cx="12192000" cy="6858000"/>
   <p:notesSz cx="6858000" cy="9144000"/>
@@ -205,7 +204,7 @@
           <a:p>
             <a:fld id="{A1D77B02-75BE-4680-994A-0B88B941E3B9}" type="datetimeFigureOut">
               <a:rPr lang="fr-BE" smtClean="0"/>
-              <a:t>25-12-22</a:t>
+              <a:t>03-01-23</a:t>
             </a:fld>
             <a:endParaRPr lang="fr-BE"/>
           </a:p>
@@ -716,7 +715,7 @@
           <a:p>
             <a:fld id="{F144FD50-2F59-4EB6-88FC-E3840C52463E}" type="datetimeFigureOut">
               <a:rPr lang="fr-FR" smtClean="0"/>
-              <a:t>25/12/2022</a:t>
+              <a:t>03/01/2023</a:t>
             </a:fld>
             <a:endParaRPr lang="fr-FR"/>
           </a:p>
@@ -914,7 +913,7 @@
           <a:p>
             <a:fld id="{F144FD50-2F59-4EB6-88FC-E3840C52463E}" type="datetimeFigureOut">
               <a:rPr lang="fr-FR" smtClean="0"/>
-              <a:t>25/12/2022</a:t>
+              <a:t>03/01/2023</a:t>
             </a:fld>
             <a:endParaRPr lang="fr-FR"/>
           </a:p>
@@ -1122,7 +1121,7 @@
           <a:p>
             <a:fld id="{F144FD50-2F59-4EB6-88FC-E3840C52463E}" type="datetimeFigureOut">
               <a:rPr lang="fr-FR" smtClean="0"/>
-              <a:t>25/12/2022</a:t>
+              <a:t>03/01/2023</a:t>
             </a:fld>
             <a:endParaRPr lang="fr-FR"/>
           </a:p>
@@ -1320,7 +1319,7 @@
           <a:p>
             <a:fld id="{F144FD50-2F59-4EB6-88FC-E3840C52463E}" type="datetimeFigureOut">
               <a:rPr lang="fr-FR" smtClean="0"/>
-              <a:t>25/12/2022</a:t>
+              <a:t>03/01/2023</a:t>
             </a:fld>
             <a:endParaRPr lang="fr-FR"/>
           </a:p>
@@ -1595,7 +1594,7 @@
           <a:p>
             <a:fld id="{F144FD50-2F59-4EB6-88FC-E3840C52463E}" type="datetimeFigureOut">
               <a:rPr lang="fr-FR" smtClean="0"/>
-              <a:t>25/12/2022</a:t>
+              <a:t>03/01/2023</a:t>
             </a:fld>
             <a:endParaRPr lang="fr-FR"/>
           </a:p>
@@ -1860,7 +1859,7 @@
           <a:p>
             <a:fld id="{F144FD50-2F59-4EB6-88FC-E3840C52463E}" type="datetimeFigureOut">
               <a:rPr lang="fr-FR" smtClean="0"/>
-              <a:t>25/12/2022</a:t>
+              <a:t>03/01/2023</a:t>
             </a:fld>
             <a:endParaRPr lang="fr-FR"/>
           </a:p>
@@ -2272,7 +2271,7 @@
           <a:p>
             <a:fld id="{F144FD50-2F59-4EB6-88FC-E3840C52463E}" type="datetimeFigureOut">
               <a:rPr lang="fr-FR" smtClean="0"/>
-              <a:t>25/12/2022</a:t>
+              <a:t>03/01/2023</a:t>
             </a:fld>
             <a:endParaRPr lang="fr-FR"/>
           </a:p>
@@ -2413,7 +2412,7 @@
           <a:p>
             <a:fld id="{F144FD50-2F59-4EB6-88FC-E3840C52463E}" type="datetimeFigureOut">
               <a:rPr lang="fr-FR" smtClean="0"/>
-              <a:t>25/12/2022</a:t>
+              <a:t>03/01/2023</a:t>
             </a:fld>
             <a:endParaRPr lang="fr-FR"/>
           </a:p>
@@ -2526,7 +2525,7 @@
           <a:p>
             <a:fld id="{F144FD50-2F59-4EB6-88FC-E3840C52463E}" type="datetimeFigureOut">
               <a:rPr lang="fr-FR" smtClean="0"/>
-              <a:t>25/12/2022</a:t>
+              <a:t>03/01/2023</a:t>
             </a:fld>
             <a:endParaRPr lang="fr-FR"/>
           </a:p>
@@ -2837,7 +2836,7 @@
           <a:p>
             <a:fld id="{F144FD50-2F59-4EB6-88FC-E3840C52463E}" type="datetimeFigureOut">
               <a:rPr lang="fr-FR" smtClean="0"/>
-              <a:t>25/12/2022</a:t>
+              <a:t>03/01/2023</a:t>
             </a:fld>
             <a:endParaRPr lang="fr-FR"/>
           </a:p>
@@ -3125,7 +3124,7 @@
           <a:p>
             <a:fld id="{F144FD50-2F59-4EB6-88FC-E3840C52463E}" type="datetimeFigureOut">
               <a:rPr lang="fr-FR" smtClean="0"/>
-              <a:t>25/12/2022</a:t>
+              <a:t>03/01/2023</a:t>
             </a:fld>
             <a:endParaRPr lang="fr-FR"/>
           </a:p>
@@ -3366,7 +3365,7 @@
           <a:p>
             <a:fld id="{F144FD50-2F59-4EB6-88FC-E3840C52463E}" type="datetimeFigureOut">
               <a:rPr lang="fr-FR" smtClean="0"/>
-              <a:t>25/12/2022</a:t>
+              <a:t>03/01/2023</a:t>
             </a:fld>
             <a:endParaRPr lang="fr-FR"/>
           </a:p>
@@ -3840,26 +3839,27 @@
         <p:spPr/>
         <p:txBody>
           <a:bodyPr>
-            <a:normAutofit/>
+            <a:normAutofit lnSpcReduction="10000"/>
           </a:bodyPr>
           <a:lstStyle/>
           <a:p>
             <a:r>
-              <a:rPr lang="fr-CH" sz="3200" dirty="0"/>
-              <a:t>Emilien </a:t>
-            </a:r>
-            <a:r>
-              <a:rPr lang="fr-CH" sz="3200" dirty="0" err="1"/>
-              <a:t>Fritschy</a:t>
-            </a:r>
-            <a:endParaRPr lang="fr-CH" sz="3200" dirty="0"/>
-          </a:p>
-          <a:p>
-            <a:r>
-              <a:rPr lang="fr-FR" sz="2000" dirty="0"/>
-              <a:t>Inspiré de https://openclassrooms.com</a:t>
-            </a:r>
-            <a:endParaRPr lang="fr-CH" sz="1800" dirty="0"/>
+              <a:rPr lang="fr-FR" sz="3200" dirty="0"/>
+              <a:t>Classe 1 SQL</a:t>
+            </a:r>
+          </a:p>
+          <a:p>
+            <a:r>
+              <a:rPr lang="fr-FR" sz="3200" dirty="0"/>
+              <a:t>Emilien Fritschy</a:t>
+            </a:r>
+          </a:p>
+          <a:p>
+            <a:r>
+              <a:rPr lang="fr-FR" sz="3200"/>
+              <a:t>2022-2023</a:t>
+            </a:r>
+            <a:endParaRPr lang="fr-BE" sz="3200" dirty="0"/>
           </a:p>
         </p:txBody>
       </p:sp>
@@ -4261,7 +4261,7 @@
           <a:p>
             <a:r>
               <a:rPr lang="fr-CH" dirty="0"/>
-              <a:t>Idées de base données non numériques :</a:t>
+              <a:t>Idées de base de données non numériques :</a:t>
             </a:r>
           </a:p>
           <a:p>
@@ -4967,7 +4967,7 @@
         <p:spPr/>
         <p:txBody>
           <a:bodyPr>
-            <a:normAutofit lnSpcReduction="10000"/>
+            <a:normAutofit/>
           </a:bodyPr>
           <a:lstStyle/>
           <a:p>
@@ -5017,10 +5017,6 @@
               <a:rPr lang="fr-FR" dirty="0"/>
               <a:t>Command line</a:t>
             </a:r>
-          </a:p>
-          <a:p>
-            <a:pPr lvl="1"/>
-            <a:endParaRPr lang="fr-FR" dirty="0"/>
           </a:p>
           <a:p>
             <a:r>
@@ -5055,117 +5051,6 @@
     <p:extLst>
       <p:ext uri="{BB962C8B-B14F-4D97-AF65-F5344CB8AC3E}">
         <p14:creationId xmlns:p14="http://schemas.microsoft.com/office/powerpoint/2010/main" val="2413872580"/>
-      </p:ext>
-    </p:extLst>
-  </p:cSld>
-  <p:clrMapOvr>
-    <a:masterClrMapping/>
-  </p:clrMapOvr>
-</p:sld>
-</file>
-
-<file path=ppt/slides/slide9.xml><?xml version="1.0" encoding="utf-8"?>
-<p:sld xmlns:a="http://schemas.openxmlformats.org/drawingml/2006/main" xmlns:r="http://schemas.openxmlformats.org/officeDocument/2006/relationships" xmlns:p="http://schemas.openxmlformats.org/presentationml/2006/main">
-  <p:cSld>
-    <p:spTree>
-      <p:nvGrpSpPr>
-        <p:cNvPr id="1" name=""/>
-        <p:cNvGrpSpPr/>
-        <p:nvPr/>
-      </p:nvGrpSpPr>
-      <p:grpSpPr>
-        <a:xfrm>
-          <a:off x="0" y="0"/>
-          <a:ext cx="0" cy="0"/>
-          <a:chOff x="0" y="0"/>
-          <a:chExt cx="0" cy="0"/>
-        </a:xfrm>
-      </p:grpSpPr>
-      <p:sp>
-        <p:nvSpPr>
-          <p:cNvPr id="2" name="Titre 1">
-            <a:extLst>
-              <a:ext uri="{FF2B5EF4-FFF2-40B4-BE49-F238E27FC236}">
-                <a16:creationId xmlns:a16="http://schemas.microsoft.com/office/drawing/2014/main" id="{BB0EB14D-64E3-866E-772A-DE5403640EB9}"/>
-              </a:ext>
-            </a:extLst>
-          </p:cNvPr>
-          <p:cNvSpPr>
-            <a:spLocks noGrp="1"/>
-          </p:cNvSpPr>
-          <p:nvPr>
-            <p:ph type="title"/>
-          </p:nvPr>
-        </p:nvSpPr>
-        <p:spPr/>
-        <p:txBody>
-          <a:bodyPr/>
-          <a:lstStyle/>
-          <a:p>
-            <a:r>
-              <a:rPr lang="fr-FR" dirty="0"/>
-              <a:t>Commandes de base</a:t>
-            </a:r>
-            <a:endParaRPr lang="fr-BE" dirty="0"/>
-          </a:p>
-        </p:txBody>
-      </p:sp>
-      <p:sp>
-        <p:nvSpPr>
-          <p:cNvPr id="9" name="Espace réservé du contenu 8">
-            <a:extLst>
-              <a:ext uri="{FF2B5EF4-FFF2-40B4-BE49-F238E27FC236}">
-                <a16:creationId xmlns:a16="http://schemas.microsoft.com/office/drawing/2014/main" id="{E5110B2F-E890-9648-2107-B68A21F5AEAA}"/>
-              </a:ext>
-            </a:extLst>
-          </p:cNvPr>
-          <p:cNvSpPr>
-            <a:spLocks noGrp="1"/>
-          </p:cNvSpPr>
-          <p:nvPr>
-            <p:ph idx="1"/>
-          </p:nvPr>
-        </p:nvSpPr>
-        <p:spPr/>
-        <p:txBody>
-          <a:bodyPr/>
-          <a:lstStyle/>
-          <a:p>
-            <a:r>
-              <a:rPr lang="fr-FR" dirty="0"/>
-              <a:t>SHOW DATABASES;</a:t>
-            </a:r>
-          </a:p>
-          <a:p>
-            <a:r>
-              <a:rPr lang="fr-FR" dirty="0"/>
-              <a:t>USE </a:t>
-            </a:r>
-            <a:r>
-              <a:rPr lang="fr-FR" dirty="0" err="1"/>
-              <a:t>mysql</a:t>
-            </a:r>
-            <a:endParaRPr lang="fr-FR" dirty="0"/>
-          </a:p>
-          <a:p>
-            <a:r>
-              <a:rPr lang="fr-FR" dirty="0"/>
-              <a:t>SHOW tables;</a:t>
-            </a:r>
-          </a:p>
-          <a:p>
-            <a:r>
-              <a:rPr lang="en-US" dirty="0"/>
-              <a:t>SHOW COLUMNS FROM users;</a:t>
-            </a:r>
-            <a:endParaRPr lang="fr-BE" dirty="0"/>
-          </a:p>
-        </p:txBody>
-      </p:sp>
-    </p:spTree>
-    <p:extLst>
-      <p:ext uri="{BB962C8B-B14F-4D97-AF65-F5344CB8AC3E}">
-        <p14:creationId xmlns:p14="http://schemas.microsoft.com/office/powerpoint/2010/main" val="2144009811"/>
       </p:ext>
     </p:extLst>
   </p:cSld>
